--- a/MuscleHub_AB_Test.pptx
+++ b/MuscleHub_AB_Test.pptx
@@ -109,6 +109,11 @@
       </a:defRPr>
     </a:lvl9pPr>
   </p:defaultTextStyle>
+  <p:extLst>
+    <p:ext uri="{EFAFB233-063F-42B5-8137-9DF3F51BA10A}">
+      <p15:sldGuideLst xmlns:p15="http://schemas.microsoft.com/office/powerpoint/2012/main"/>
+    </p:ext>
+  </p:extLst>
 </p:presentation>
 </file>
 
@@ -6639,7 +6644,12 @@
             <p:ph idx="1"/>
           </p:nvPr>
         </p:nvSpPr>
-        <p:spPr/>
+        <p:spPr>
+          <a:xfrm>
+            <a:off x="1484310" y="1494905"/>
+            <a:ext cx="10018713" cy="3124201"/>
+          </a:xfrm>
+        </p:spPr>
         <p:txBody>
           <a:bodyPr/>
           <a:lstStyle/>
@@ -6827,6 +6837,14 @@
             </a:r>
             <a:r>
               <a:rPr lang="de-CH" dirty="0" err="1" smtClean="0"/>
+              <a:t>is</a:t>
+            </a:r>
+            <a:r>
+              <a:rPr lang="de-CH" dirty="0" smtClean="0"/>
+              <a:t> </a:t>
+            </a:r>
+            <a:r>
+              <a:rPr lang="de-CH" dirty="0" err="1" smtClean="0"/>
               <a:t>more</a:t>
             </a:r>
             <a:r>
@@ -6921,6 +6939,95 @@
           </a:p>
         </p:txBody>
       </p:sp>
+      <p:pic>
+        <p:nvPicPr>
+          <p:cNvPr id="5" name="Grafik 4" descr="Bildschirmausschnitt"/>
+          <p:cNvPicPr>
+            <a:picLocks noChangeAspect="1"/>
+          </p:cNvPicPr>
+          <p:nvPr/>
+        </p:nvPicPr>
+        <p:blipFill rotWithShape="1">
+          <a:blip r:embed="rId2">
+            <a:extLst>
+              <a:ext uri="{28A0092B-C50C-407E-A947-70E740481C1C}">
+                <a14:useLocalDpi xmlns:a14="http://schemas.microsoft.com/office/drawing/2010/main" val="0"/>
+              </a:ext>
+            </a:extLst>
+          </a:blip>
+          <a:srcRect t="967"/>
+          <a:stretch/>
+        </p:blipFill>
+        <p:spPr>
+          <a:xfrm>
+            <a:off x="5722706" y="4346191"/>
+            <a:ext cx="1541919" cy="2175492"/>
+          </a:xfrm>
+          <a:prstGeom prst="rect">
+            <a:avLst/>
+          </a:prstGeom>
+        </p:spPr>
+      </p:pic>
+      <p:pic>
+        <p:nvPicPr>
+          <p:cNvPr id="6" name="Grafik 5" descr="Bildschirmausschnitt"/>
+          <p:cNvPicPr>
+            <a:picLocks noChangeAspect="1"/>
+          </p:cNvPicPr>
+          <p:nvPr/>
+        </p:nvPicPr>
+        <p:blipFill>
+          <a:blip r:embed="rId3">
+            <a:extLst>
+              <a:ext uri="{28A0092B-C50C-407E-A947-70E740481C1C}">
+                <a14:useLocalDpi xmlns:a14="http://schemas.microsoft.com/office/drawing/2010/main" val="0"/>
+              </a:ext>
+            </a:extLst>
+          </a:blip>
+          <a:stretch>
+            <a:fillRect/>
+          </a:stretch>
+        </p:blipFill>
+        <p:spPr>
+          <a:xfrm>
+            <a:off x="2870471" y="4346191"/>
+            <a:ext cx="1801282" cy="2164040"/>
+          </a:xfrm>
+          <a:prstGeom prst="rect">
+            <a:avLst/>
+          </a:prstGeom>
+        </p:spPr>
+      </p:pic>
+      <p:pic>
+        <p:nvPicPr>
+          <p:cNvPr id="7" name="Grafik 6" descr="Bildschirmausschnitt"/>
+          <p:cNvPicPr>
+            <a:picLocks noChangeAspect="1"/>
+          </p:cNvPicPr>
+          <p:nvPr/>
+        </p:nvPicPr>
+        <p:blipFill>
+          <a:blip r:embed="rId4">
+            <a:extLst>
+              <a:ext uri="{28A0092B-C50C-407E-A947-70E740481C1C}">
+                <a14:useLocalDpi xmlns:a14="http://schemas.microsoft.com/office/drawing/2010/main" val="0"/>
+              </a:ext>
+            </a:extLst>
+          </a:blip>
+          <a:stretch>
+            <a:fillRect/>
+          </a:stretch>
+        </p:blipFill>
+        <p:spPr>
+          <a:xfrm>
+            <a:off x="8646662" y="4346191"/>
+            <a:ext cx="1793138" cy="2175492"/>
+          </a:xfrm>
+          <a:prstGeom prst="rect">
+            <a:avLst/>
+          </a:prstGeom>
+        </p:spPr>
+      </p:pic>
     </p:spTree>
     <p:extLst>
       <p:ext uri="{BB962C8B-B14F-4D97-AF65-F5344CB8AC3E}">
